--- a/Recitation_11.pptx
+++ b/Recitation_11.pptx
@@ -178,7 +178,7 @@
 
 <file path=ppt/commentAuthors.xml><?xml version="1.0" encoding="utf-8"?>
 <p:cmAuthorLst xmlns:a="http://schemas.openxmlformats.org/drawingml/2006/main" xmlns:r="http://schemas.openxmlformats.org/officeDocument/2006/relationships" xmlns:p="http://schemas.openxmlformats.org/presentationml/2006/main">
-  <p:cmAuthor id="1" name="Debarun Das" initials="DD" lastIdx="1" clrIdx="0">
+  <p:cmAuthor id="1" name="Debarun Das" initials="DD" lastIdx="2" clrIdx="0">
     <p:extLst>
       <p:ext uri="{19B8F6BF-5375-455C-9EA6-DF929625EA0E}">
         <p15:presenceInfo xmlns:p15="http://schemas.microsoft.com/office/powerpoint/2012/main" userId="Debarun Das" providerId="None"/>
@@ -284,7 +284,7 @@
           <a:p>
             <a:fld id="{F901EAB1-4E3A-4050-AB47-512867D6A081}" type="datetimeFigureOut">
               <a:rPr lang="en-US" smtClean="0"/>
-              <a:t>4/15/2021</a:t>
+              <a:t>4/22/2021</a:t>
             </a:fld>
             <a:endParaRPr lang="en-US"/>
           </a:p>
@@ -866,7 +866,7 @@
           <a:p>
             <a:fld id="{F765DCD1-3325-488F-AC06-BFBE72E653E2}" type="datetimeFigureOut">
               <a:rPr lang="en-US" smtClean="0"/>
-              <a:t>4/15/2021</a:t>
+              <a:t>4/22/2021</a:t>
             </a:fld>
             <a:endParaRPr lang="en-US"/>
           </a:p>
@@ -1064,7 +1064,7 @@
           <a:p>
             <a:fld id="{F765DCD1-3325-488F-AC06-BFBE72E653E2}" type="datetimeFigureOut">
               <a:rPr lang="en-US" smtClean="0"/>
-              <a:t>4/15/2021</a:t>
+              <a:t>4/22/2021</a:t>
             </a:fld>
             <a:endParaRPr lang="en-US"/>
           </a:p>
@@ -1272,7 +1272,7 @@
           <a:p>
             <a:fld id="{F765DCD1-3325-488F-AC06-BFBE72E653E2}" type="datetimeFigureOut">
               <a:rPr lang="en-US" smtClean="0"/>
-              <a:t>4/15/2021</a:t>
+              <a:t>4/22/2021</a:t>
             </a:fld>
             <a:endParaRPr lang="en-US"/>
           </a:p>
@@ -1470,7 +1470,7 @@
           <a:p>
             <a:fld id="{F765DCD1-3325-488F-AC06-BFBE72E653E2}" type="datetimeFigureOut">
               <a:rPr lang="en-US" smtClean="0"/>
-              <a:t>4/15/2021</a:t>
+              <a:t>4/22/2021</a:t>
             </a:fld>
             <a:endParaRPr lang="en-US"/>
           </a:p>
@@ -1745,7 +1745,7 @@
           <a:p>
             <a:fld id="{F765DCD1-3325-488F-AC06-BFBE72E653E2}" type="datetimeFigureOut">
               <a:rPr lang="en-US" smtClean="0"/>
-              <a:t>4/15/2021</a:t>
+              <a:t>4/22/2021</a:t>
             </a:fld>
             <a:endParaRPr lang="en-US"/>
           </a:p>
@@ -2010,7 +2010,7 @@
           <a:p>
             <a:fld id="{F765DCD1-3325-488F-AC06-BFBE72E653E2}" type="datetimeFigureOut">
               <a:rPr lang="en-US" smtClean="0"/>
-              <a:t>4/15/2021</a:t>
+              <a:t>4/22/2021</a:t>
             </a:fld>
             <a:endParaRPr lang="en-US"/>
           </a:p>
@@ -2422,7 +2422,7 @@
           <a:p>
             <a:fld id="{F765DCD1-3325-488F-AC06-BFBE72E653E2}" type="datetimeFigureOut">
               <a:rPr lang="en-US" smtClean="0"/>
-              <a:t>4/15/2021</a:t>
+              <a:t>4/22/2021</a:t>
             </a:fld>
             <a:endParaRPr lang="en-US"/>
           </a:p>
@@ -2563,7 +2563,7 @@
           <a:p>
             <a:fld id="{F765DCD1-3325-488F-AC06-BFBE72E653E2}" type="datetimeFigureOut">
               <a:rPr lang="en-US" smtClean="0"/>
-              <a:t>4/15/2021</a:t>
+              <a:t>4/22/2021</a:t>
             </a:fld>
             <a:endParaRPr lang="en-US"/>
           </a:p>
@@ -2676,7 +2676,7 @@
           <a:p>
             <a:fld id="{F765DCD1-3325-488F-AC06-BFBE72E653E2}" type="datetimeFigureOut">
               <a:rPr lang="en-US" smtClean="0"/>
-              <a:t>4/15/2021</a:t>
+              <a:t>4/22/2021</a:t>
             </a:fld>
             <a:endParaRPr lang="en-US"/>
           </a:p>
@@ -2987,7 +2987,7 @@
           <a:p>
             <a:fld id="{F765DCD1-3325-488F-AC06-BFBE72E653E2}" type="datetimeFigureOut">
               <a:rPr lang="en-US" smtClean="0"/>
-              <a:t>4/15/2021</a:t>
+              <a:t>4/22/2021</a:t>
             </a:fld>
             <a:endParaRPr lang="en-US"/>
           </a:p>
@@ -3275,7 +3275,7 @@
           <a:p>
             <a:fld id="{F765DCD1-3325-488F-AC06-BFBE72E653E2}" type="datetimeFigureOut">
               <a:rPr lang="en-US" smtClean="0"/>
-              <a:t>4/15/2021</a:t>
+              <a:t>4/22/2021</a:t>
             </a:fld>
             <a:endParaRPr lang="en-US"/>
           </a:p>
@@ -3516,7 +3516,7 @@
           <a:p>
             <a:fld id="{F765DCD1-3325-488F-AC06-BFBE72E653E2}" type="datetimeFigureOut">
               <a:rPr lang="en-US" smtClean="0"/>
-              <a:t>4/15/2021</a:t>
+              <a:t>4/22/2021</a:t>
             </a:fld>
             <a:endParaRPr lang="en-US"/>
           </a:p>
@@ -12755,8 +12755,8 @@
         </p:nvSpPr>
         <p:spPr>
           <a:xfrm>
-            <a:off x="4015292" y="5254941"/>
-            <a:ext cx="1527667" cy="461665"/>
+            <a:off x="3281209" y="5180565"/>
+            <a:ext cx="2276255" cy="461665"/>
           </a:xfrm>
           <a:prstGeom prst="rect">
             <a:avLst/>
@@ -12773,7 +12773,19 @@
               <a:rPr lang="en-US" sz="2400" dirty="0">
                 <a:latin typeface="Consolas" panose="020B0609020204030204" pitchFamily="49" charset="0"/>
               </a:rPr>
-              <a:t>p</a:t>
+              <a:t>(</a:t>
+            </a:r>
+            <a:r>
+              <a:rPr lang="en-US" sz="2400" dirty="0" err="1">
+                <a:latin typeface="Consolas" panose="020B0609020204030204" pitchFamily="49" charset="0"/>
+              </a:rPr>
+              <a:t>block_t</a:t>
+            </a:r>
+            <a:r>
+              <a:rPr lang="en-US" sz="2400" dirty="0">
+                <a:latin typeface="Consolas" panose="020B0609020204030204" pitchFamily="49" charset="0"/>
+              </a:rPr>
+              <a:t>*) p</a:t>
             </a:r>
           </a:p>
         </p:txBody>
@@ -29585,9 +29597,9 @@
           <p:nvPr/>
         </p:nvCxnSpPr>
         <p:spPr>
-          <a:xfrm flipH="1">
-            <a:off x="5608948" y="4651343"/>
-            <a:ext cx="1249052" cy="0"/>
+          <a:xfrm>
+            <a:off x="6379983" y="4643868"/>
+            <a:ext cx="773783" cy="1350394"/>
           </a:xfrm>
           <a:prstGeom prst="straightConnector1">
             <a:avLst/>
@@ -29625,7 +29637,7 @@
         </p:nvSpPr>
         <p:spPr>
           <a:xfrm>
-            <a:off x="5986809" y="4282011"/>
+            <a:off x="6068899" y="5240459"/>
             <a:ext cx="622169" cy="369332"/>
           </a:xfrm>
           <a:prstGeom prst="rect">
@@ -29789,7 +29801,10 @@
           <a:prstGeom prst="rect">
             <a:avLst/>
           </a:prstGeom>
-          <a:ln>
+          <a:ln w="12700">
+            <a:solidFill>
+              <a:schemeClr val="tx1"/>
+            </a:solidFill>
             <a:prstDash val="dash"/>
           </a:ln>
         </p:spPr>
@@ -29898,12 +29913,50 @@
           </a:fontRef>
         </p:style>
       </p:cxnSp>
+      <p:cxnSp>
+        <p:nvCxnSpPr>
+          <p:cNvPr id="7" name="Straight Connector 6">
+            <a:extLst>
+              <a:ext uri="{FF2B5EF4-FFF2-40B4-BE49-F238E27FC236}">
+                <a16:creationId xmlns:a16="http://schemas.microsoft.com/office/drawing/2014/main" id="{12388882-C84F-4CCC-80E7-FD93E17C12D8}"/>
+              </a:ext>
+            </a:extLst>
+          </p:cNvPr>
+          <p:cNvCxnSpPr>
+            <a:cxnSpLocks/>
+          </p:cNvCxnSpPr>
+          <p:nvPr/>
+        </p:nvCxnSpPr>
+        <p:spPr>
+          <a:xfrm>
+            <a:off x="6379983" y="4651343"/>
+            <a:ext cx="523586" cy="0"/>
+          </a:xfrm>
+          <a:prstGeom prst="line">
+            <a:avLst/>
+          </a:prstGeom>
+        </p:spPr>
+        <p:style>
+          <a:lnRef idx="1">
+            <a:schemeClr val="accent1"/>
+          </a:lnRef>
+          <a:fillRef idx="0">
+            <a:schemeClr val="accent1"/>
+          </a:fillRef>
+          <a:effectRef idx="0">
+            <a:schemeClr val="accent1"/>
+          </a:effectRef>
+          <a:fontRef idx="minor">
+            <a:schemeClr val="tx1"/>
+          </a:fontRef>
+        </p:style>
+      </p:cxnSp>
       <p:sp>
         <p:nvSpPr>
-          <p:cNvPr id="46" name="TextBox 45">
-            <a:extLst>
-              <a:ext uri="{FF2B5EF4-FFF2-40B4-BE49-F238E27FC236}">
-                <a16:creationId xmlns:a16="http://schemas.microsoft.com/office/drawing/2014/main" id="{16ABA1B4-7945-4F6B-A6F7-E5496DB08B72}"/>
+          <p:cNvPr id="26" name="TextBox 25">
+            <a:extLst>
+              <a:ext uri="{FF2B5EF4-FFF2-40B4-BE49-F238E27FC236}">
+                <a16:creationId xmlns:a16="http://schemas.microsoft.com/office/drawing/2014/main" id="{EE66222D-29CB-4E67-8B2A-BD0074D4CA76}"/>
               </a:ext>
             </a:extLst>
           </p:cNvPr>
@@ -29912,7 +29965,7 @@
         </p:nvSpPr>
         <p:spPr>
           <a:xfrm>
-            <a:off x="8977460" y="5900487"/>
+            <a:off x="8977460" y="5882823"/>
             <a:ext cx="2139885" cy="923330"/>
           </a:xfrm>
           <a:prstGeom prst="rect">
